--- a/educon_ppt.pptx
+++ b/educon_ppt.pptx
@@ -329,7 +329,7 @@
           <a:p>
             <a:fld id="{5BCAD085-E8A6-8845-BD4E-CB4CCA059FC4}" type="datetimeFigureOut">
               <a:rPr lang="en-US" smtClean="0"/>
-              <a:t>4/6/2025</a:t>
+              <a:t>4/9/2025</a:t>
             </a:fld>
             <a:endParaRPr lang="en-US"/>
           </a:p>
@@ -550,7 +550,7 @@
           <a:p>
             <a:fld id="{5BCAD085-E8A6-8845-BD4E-CB4CCA059FC4}" type="datetimeFigureOut">
               <a:rPr lang="en-US" smtClean="0"/>
-              <a:t>4/6/2025</a:t>
+              <a:t>4/9/2025</a:t>
             </a:fld>
             <a:endParaRPr lang="en-US"/>
           </a:p>
@@ -730,7 +730,7 @@
           <a:p>
             <a:fld id="{5BCAD085-E8A6-8845-BD4E-CB4CCA059FC4}" type="datetimeFigureOut">
               <a:rPr lang="en-US" smtClean="0"/>
-              <a:t>4/6/2025</a:t>
+              <a:t>4/9/2025</a:t>
             </a:fld>
             <a:endParaRPr lang="en-US"/>
           </a:p>
@@ -907,7 +907,7 @@
           <a:p>
             <a:fld id="{5BCAD085-E8A6-8845-BD4E-CB4CCA059FC4}" type="datetimeFigureOut">
               <a:rPr lang="en-US" smtClean="0"/>
-              <a:t>4/6/2025</a:t>
+              <a:t>4/9/2025</a:t>
             </a:fld>
             <a:endParaRPr lang="en-US"/>
           </a:p>
@@ -1158,7 +1158,7 @@
           <a:p>
             <a:fld id="{5BCAD085-E8A6-8845-BD4E-CB4CCA059FC4}" type="datetimeFigureOut">
               <a:rPr lang="en-US" smtClean="0"/>
-              <a:t>4/6/2025</a:t>
+              <a:t>4/9/2025</a:t>
             </a:fld>
             <a:endParaRPr lang="en-US"/>
           </a:p>
@@ -1481,7 +1481,7 @@
           <a:p>
             <a:fld id="{5BCAD085-E8A6-8845-BD4E-CB4CCA059FC4}" type="datetimeFigureOut">
               <a:rPr lang="en-US" smtClean="0"/>
-              <a:t>4/6/2025</a:t>
+              <a:t>4/9/2025</a:t>
             </a:fld>
             <a:endParaRPr lang="en-US"/>
           </a:p>
@@ -1905,7 +1905,7 @@
           <a:p>
             <a:fld id="{5BCAD085-E8A6-8845-BD4E-CB4CCA059FC4}" type="datetimeFigureOut">
               <a:rPr lang="en-US" smtClean="0"/>
-              <a:t>4/6/2025</a:t>
+              <a:t>4/9/2025</a:t>
             </a:fld>
             <a:endParaRPr lang="en-US"/>
           </a:p>
@@ -2023,7 +2023,7 @@
           <a:p>
             <a:fld id="{5BCAD085-E8A6-8845-BD4E-CB4CCA059FC4}" type="datetimeFigureOut">
               <a:rPr lang="en-US" smtClean="0"/>
-              <a:t>4/6/2025</a:t>
+              <a:t>4/9/2025</a:t>
             </a:fld>
             <a:endParaRPr lang="en-US"/>
           </a:p>
@@ -2118,7 +2118,7 @@
           <a:p>
             <a:fld id="{5BCAD085-E8A6-8845-BD4E-CB4CCA059FC4}" type="datetimeFigureOut">
               <a:rPr lang="en-US" smtClean="0"/>
-              <a:t>4/6/2025</a:t>
+              <a:t>4/9/2025</a:t>
             </a:fld>
             <a:endParaRPr lang="en-US"/>
           </a:p>
@@ -2408,7 +2408,7 @@
           <a:p>
             <a:fld id="{5BCAD085-E8A6-8845-BD4E-CB4CCA059FC4}" type="datetimeFigureOut">
               <a:rPr lang="en-US" smtClean="0"/>
-              <a:t>4/6/2025</a:t>
+              <a:t>4/9/2025</a:t>
             </a:fld>
             <a:endParaRPr lang="en-US"/>
           </a:p>
@@ -2680,7 +2680,7 @@
           <a:p>
             <a:fld id="{5BCAD085-E8A6-8845-BD4E-CB4CCA059FC4}" type="datetimeFigureOut">
               <a:rPr lang="en-US" smtClean="0"/>
-              <a:t>4/6/2025</a:t>
+              <a:t>4/9/2025</a:t>
             </a:fld>
             <a:endParaRPr lang="en-US"/>
           </a:p>
@@ -2932,7 +2932,7 @@
           <a:p>
             <a:fld id="{5BCAD085-E8A6-8845-BD4E-CB4CCA059FC4}" type="datetimeFigureOut">
               <a:rPr lang="en-US" smtClean="0"/>
-              <a:t>4/6/2025</a:t>
+              <a:t>4/9/2025</a:t>
             </a:fld>
             <a:endParaRPr lang="en-US"/>
           </a:p>
@@ -3980,7 +3980,21 @@
                 <a:latin typeface="Times New Roman" panose="02020603050405020304" pitchFamily="18" charset="0"/>
                 <a:cs typeface="Times New Roman" panose="02020603050405020304" pitchFamily="18" charset="0"/>
               </a:rPr>
-              <a:t> Frontend: ReactJS</a:t>
+              <a:t> Frontend: </a:t>
+            </a:r>
+            <a:r>
+              <a:rPr lang="en-US" dirty="0">
+                <a:latin typeface="Times New Roman" panose="02020603050405020304" pitchFamily="18" charset="0"/>
+                <a:cs typeface="Times New Roman" panose="02020603050405020304" pitchFamily="18" charset="0"/>
+              </a:rPr>
+              <a:t>Boot Strap , </a:t>
+            </a:r>
+            <a:r>
+              <a:rPr dirty="0">
+                <a:latin typeface="Times New Roman" panose="02020603050405020304" pitchFamily="18" charset="0"/>
+                <a:cs typeface="Times New Roman" panose="02020603050405020304" pitchFamily="18" charset="0"/>
+              </a:rPr>
+              <a:t>ReactJS</a:t>
             </a:r>
             <a:r>
               <a:rPr lang="en-US" dirty="0">
@@ -4012,7 +4026,14 @@
                 <a:latin typeface="Times New Roman" panose="02020603050405020304" pitchFamily="18" charset="0"/>
                 <a:cs typeface="Times New Roman" panose="02020603050405020304" pitchFamily="18" charset="0"/>
               </a:rPr>
-              <a:t> Database: SQL-based storage for user and payment management</a:t>
+              <a:t> Database: </a:t>
+            </a:r>
+            <a:r>
+              <a:rPr lang="en-US" dirty="0">
+                <a:latin typeface="Times New Roman" panose="02020603050405020304" pitchFamily="18" charset="0"/>
+                <a:cs typeface="Times New Roman" panose="02020603050405020304" pitchFamily="18" charset="0"/>
+              </a:rPr>
+              <a:t>MySQL-8.0 </a:t>
             </a:r>
           </a:p>
           <a:p>
@@ -4021,13 +4042,6 @@
                 <a:spcPct val="150000"/>
               </a:lnSpc>
             </a:pPr>
-            <a:r>
-              <a:rPr dirty="0">
-                <a:latin typeface="Times New Roman" panose="02020603050405020304" pitchFamily="18" charset="0"/>
-                <a:cs typeface="Times New Roman" panose="02020603050405020304" pitchFamily="18" charset="0"/>
-              </a:rPr>
-              <a:t> </a:t>
-            </a:r>
             <a:r>
               <a:rPr lang="en-US" dirty="0">
                 <a:latin typeface="Times New Roman" panose="02020603050405020304" pitchFamily="18" charset="0"/>
@@ -4287,7 +4301,7 @@
         </p:nvSpPr>
         <p:spPr>
           <a:xfrm>
-            <a:off x="768760" y="1617406"/>
+            <a:off x="668592" y="1397409"/>
             <a:ext cx="7404653" cy="439994"/>
           </a:xfrm>
         </p:spPr>
@@ -4306,12 +4320,63 @@
           </a:p>
         </p:txBody>
       </p:sp>
+      <p:sp>
+        <p:nvSpPr>
+          <p:cNvPr id="6" name="TextBox 5">
+            <a:extLst>
+              <a:ext uri="{FF2B5EF4-FFF2-40B4-BE49-F238E27FC236}">
+                <a16:creationId xmlns:a16="http://schemas.microsoft.com/office/drawing/2014/main" id="{8B0B3C7A-6D26-4FF1-F4BB-85800732167D}"/>
+              </a:ext>
+            </a:extLst>
+          </p:cNvPr>
+          <p:cNvSpPr txBox="1"/>
+          <p:nvPr/>
+        </p:nvSpPr>
+        <p:spPr>
+          <a:xfrm>
+            <a:off x="668592" y="4336026"/>
+            <a:ext cx="8229601" cy="2031325"/>
+          </a:xfrm>
+          <a:prstGeom prst="rect">
+            <a:avLst/>
+          </a:prstGeom>
+          <a:noFill/>
+        </p:spPr>
+        <p:txBody>
+          <a:bodyPr wrap="square" rtlCol="0">
+            <a:spAutoFit/>
+          </a:bodyPr>
+          <a:lstStyle/>
+          <a:p>
+            <a:pPr marL="34290" indent="0">
+              <a:buNone/>
+            </a:pPr>
+            <a:r>
+              <a:rPr lang="en-US" dirty="0">
+                <a:solidFill>
+                  <a:schemeClr val="accent1"/>
+                </a:solidFill>
+                <a:latin typeface="Times New Roman" panose="02020603050405020304" pitchFamily="18" charset="0"/>
+                <a:cs typeface="Times New Roman" panose="02020603050405020304" pitchFamily="18" charset="0"/>
+              </a:rPr>
+              <a:t>The Admin Panel in the Edu Consultancy System serves as a central dashboard for managing students, courses, subscriptions, and payments. It provides an intuitive interface with navigation options for viewing and updating student records, tracking subscriptions, and handling payments securely. Admins can efficiently oversee the system, ensuring smooth operations and transparency. The panel also includes a logout option for secure access control, making it a user-friendly and essential tool for effective administration.</a:t>
+            </a:r>
+            <a:endParaRPr lang="en-IN" dirty="0">
+              <a:solidFill>
+                <a:schemeClr val="accent1"/>
+              </a:solidFill>
+              <a:latin typeface="Times New Roman" panose="02020603050405020304" pitchFamily="18" charset="0"/>
+              <a:cs typeface="Times New Roman" panose="02020603050405020304" pitchFamily="18" charset="0"/>
+            </a:endParaRPr>
+          </a:p>
+        </p:txBody>
+      </p:sp>
       <p:pic>
         <p:nvPicPr>
-          <p:cNvPr id="5" name="Picture 4">
+          <p:cNvPr id="7" name="Picture 6">
             <a:extLst>
               <a:ext uri="{FF2B5EF4-FFF2-40B4-BE49-F238E27FC236}">
-                <a16:creationId xmlns:a16="http://schemas.microsoft.com/office/drawing/2014/main" id="{FBFBBBC0-B736-F07D-84B4-A4FD92F825A2}"/>
+                <a16:creationId xmlns:a16="http://schemas.microsoft.com/office/drawing/2014/main" id="{3EAE8C5F-81EF-DDA2-7BF7-1778587E17B3}"/>
               </a:ext>
             </a:extLst>
           </p:cNvPr>
@@ -4328,65 +4393,14 @@
         </p:blipFill>
         <p:spPr>
           <a:xfrm>
-            <a:off x="668593" y="2244705"/>
-            <a:ext cx="8072284" cy="1845223"/>
+            <a:off x="768760" y="1710321"/>
+            <a:ext cx="7913124" cy="2704363"/>
           </a:xfrm>
           <a:prstGeom prst="rect">
             <a:avLst/>
           </a:prstGeom>
         </p:spPr>
       </p:pic>
-      <p:sp>
-        <p:nvSpPr>
-          <p:cNvPr id="6" name="TextBox 5">
-            <a:extLst>
-              <a:ext uri="{FF2B5EF4-FFF2-40B4-BE49-F238E27FC236}">
-                <a16:creationId xmlns:a16="http://schemas.microsoft.com/office/drawing/2014/main" id="{8B0B3C7A-6D26-4FF1-F4BB-85800732167D}"/>
-              </a:ext>
-            </a:extLst>
-          </p:cNvPr>
-          <p:cNvSpPr txBox="1"/>
-          <p:nvPr/>
-        </p:nvSpPr>
-        <p:spPr>
-          <a:xfrm>
-            <a:off x="668592" y="4336026"/>
-            <a:ext cx="8229601" cy="2031325"/>
-          </a:xfrm>
-          <a:prstGeom prst="rect">
-            <a:avLst/>
-          </a:prstGeom>
-          <a:noFill/>
-        </p:spPr>
-        <p:txBody>
-          <a:bodyPr wrap="square" rtlCol="0">
-            <a:spAutoFit/>
-          </a:bodyPr>
-          <a:lstStyle/>
-          <a:p>
-            <a:pPr marL="34290" indent="0">
-              <a:buNone/>
-            </a:pPr>
-            <a:r>
-              <a:rPr lang="en-US" dirty="0">
-                <a:solidFill>
-                  <a:schemeClr val="accent1"/>
-                </a:solidFill>
-                <a:latin typeface="Times New Roman" panose="02020603050405020304" pitchFamily="18" charset="0"/>
-                <a:cs typeface="Times New Roman" panose="02020603050405020304" pitchFamily="18" charset="0"/>
-              </a:rPr>
-              <a:t>The Admin Panel in the Edu Consultancy System serves as a central dashboard for managing students, courses, subscriptions, and payments. It provides an intuitive interface with navigation options for viewing and updating student records, tracking subscriptions, and handling payments securely. Admins can efficiently oversee the system, ensuring smooth operations and transparency. The panel also includes a logout option for secure access control, making it a user-friendly and essential tool for effective administration.</a:t>
-            </a:r>
-            <a:endParaRPr lang="en-IN" dirty="0">
-              <a:solidFill>
-                <a:schemeClr val="accent1"/>
-              </a:solidFill>
-              <a:latin typeface="Times New Roman" panose="02020603050405020304" pitchFamily="18" charset="0"/>
-              <a:cs typeface="Times New Roman" panose="02020603050405020304" pitchFamily="18" charset="0"/>
-            </a:endParaRPr>
-          </a:p>
-        </p:txBody>
-      </p:sp>
     </p:spTree>
     <p:extLst>
       <p:ext uri="{BB962C8B-B14F-4D97-AF65-F5344CB8AC3E}">
@@ -4463,7 +4477,7 @@
         </p:nvSpPr>
         <p:spPr>
           <a:xfrm>
-            <a:off x="857251" y="2057400"/>
+            <a:off x="857250" y="1577586"/>
             <a:ext cx="7404653" cy="410497"/>
           </a:xfrm>
         </p:spPr>
@@ -4483,12 +4497,56 @@
           </a:p>
         </p:txBody>
       </p:sp>
+      <p:sp>
+        <p:nvSpPr>
+          <p:cNvPr id="5" name="TextBox 4">
+            <a:extLst>
+              <a:ext uri="{FF2B5EF4-FFF2-40B4-BE49-F238E27FC236}">
+                <a16:creationId xmlns:a16="http://schemas.microsoft.com/office/drawing/2014/main" id="{7E452F74-6B3B-FDD3-E2BD-C4F957757156}"/>
+              </a:ext>
+            </a:extLst>
+          </p:cNvPr>
+          <p:cNvSpPr txBox="1"/>
+          <p:nvPr/>
+        </p:nvSpPr>
+        <p:spPr>
+          <a:xfrm>
+            <a:off x="572728" y="4739148"/>
+            <a:ext cx="8069827" cy="1754326"/>
+          </a:xfrm>
+          <a:prstGeom prst="rect">
+            <a:avLst/>
+          </a:prstGeom>
+          <a:noFill/>
+        </p:spPr>
+        <p:txBody>
+          <a:bodyPr wrap="square" rtlCol="0">
+            <a:spAutoFit/>
+          </a:bodyPr>
+          <a:lstStyle/>
+          <a:p>
+            <a:r>
+              <a:rPr lang="en-US" dirty="0">
+                <a:solidFill>
+                  <a:schemeClr val="accent1"/>
+                </a:solidFill>
+              </a:rPr>
+              <a:t>The Student Dashboard in the Edu Consultancy System provides students with an intuitive interface to access courses, manage subscriptions, and track payments. With a simple navigation menu, students can explore available courses, view their enrollment details, and make secure payments. The dashboard enhances the learning experience by offering easy access to essential academic resources while ensuring a seamless and user-friendly experience.</a:t>
+            </a:r>
+            <a:endParaRPr lang="en-IN" dirty="0">
+              <a:solidFill>
+                <a:schemeClr val="accent1"/>
+              </a:solidFill>
+            </a:endParaRPr>
+          </a:p>
+        </p:txBody>
+      </p:sp>
       <p:pic>
         <p:nvPicPr>
-          <p:cNvPr id="4" name="Picture 3">
+          <p:cNvPr id="7" name="Picture 6">
             <a:extLst>
               <a:ext uri="{FF2B5EF4-FFF2-40B4-BE49-F238E27FC236}">
-                <a16:creationId xmlns:a16="http://schemas.microsoft.com/office/drawing/2014/main" id="{69A3D5CE-09C1-7658-7903-061A4CA2A695}"/>
+                <a16:creationId xmlns:a16="http://schemas.microsoft.com/office/drawing/2014/main" id="{7BBDA2E9-72B7-BC25-AA3E-A19239414FE4}"/>
               </a:ext>
             </a:extLst>
           </p:cNvPr>
@@ -4505,58 +4563,14 @@
         </p:blipFill>
         <p:spPr>
           <a:xfrm>
-            <a:off x="572728" y="2711519"/>
-            <a:ext cx="8217311" cy="1678585"/>
+            <a:off x="501444" y="1877961"/>
+            <a:ext cx="8141111" cy="2883310"/>
           </a:xfrm>
           <a:prstGeom prst="rect">
             <a:avLst/>
           </a:prstGeom>
         </p:spPr>
       </p:pic>
-      <p:sp>
-        <p:nvSpPr>
-          <p:cNvPr id="5" name="TextBox 4">
-            <a:extLst>
-              <a:ext uri="{FF2B5EF4-FFF2-40B4-BE49-F238E27FC236}">
-                <a16:creationId xmlns:a16="http://schemas.microsoft.com/office/drawing/2014/main" id="{7E452F74-6B3B-FDD3-E2BD-C4F957757156}"/>
-              </a:ext>
-            </a:extLst>
-          </p:cNvPr>
-          <p:cNvSpPr txBox="1"/>
-          <p:nvPr/>
-        </p:nvSpPr>
-        <p:spPr>
-          <a:xfrm>
-            <a:off x="572728" y="4739148"/>
-            <a:ext cx="8069827" cy="1754326"/>
-          </a:xfrm>
-          <a:prstGeom prst="rect">
-            <a:avLst/>
-          </a:prstGeom>
-          <a:noFill/>
-        </p:spPr>
-        <p:txBody>
-          <a:bodyPr wrap="square" rtlCol="0">
-            <a:spAutoFit/>
-          </a:bodyPr>
-          <a:lstStyle/>
-          <a:p>
-            <a:r>
-              <a:rPr lang="en-US" dirty="0">
-                <a:solidFill>
-                  <a:schemeClr val="accent1"/>
-                </a:solidFill>
-              </a:rPr>
-              <a:t>The Student Dashboard in the Edu Consultancy System provides students with an intuitive interface to access courses, manage subscriptions, and track payments. With a simple navigation menu, students can explore available courses, view their enrollment details, and make secure payments. The dashboard enhances the learning experience by offering easy access to essential academic resources while ensuring a seamless and user-friendly experience.</a:t>
-            </a:r>
-            <a:endParaRPr lang="en-IN" dirty="0">
-              <a:solidFill>
-                <a:schemeClr val="accent1"/>
-              </a:solidFill>
-            </a:endParaRPr>
-          </a:p>
-        </p:txBody>
-      </p:sp>
     </p:spTree>
     <p:extLst>
       <p:ext uri="{BB962C8B-B14F-4D97-AF65-F5344CB8AC3E}">
